--- a/02_GIT_KaushalyaEduTech.pptx
+++ b/02_GIT_KaushalyaEduTech.pptx
@@ -5,7 +5,7 @@
     <p:sldMasterId id="2147483648" r:id="rId1"/>
   </p:sldMasterIdLst>
   <p:notesMasterIdLst>
-    <p:notesMasterId r:id="rId18"/>
+    <p:notesMasterId r:id="rId20"/>
   </p:notesMasterIdLst>
   <p:sldIdLst>
     <p:sldId id="256" r:id="rId2"/>
@@ -22,8 +22,10 @@
     <p:sldId id="470" r:id="rId13"/>
     <p:sldId id="473" r:id="rId14"/>
     <p:sldId id="472" r:id="rId15"/>
-    <p:sldId id="284" r:id="rId16"/>
-    <p:sldId id="282" r:id="rId17"/>
+    <p:sldId id="474" r:id="rId16"/>
+    <p:sldId id="475" r:id="rId17"/>
+    <p:sldId id="284" r:id="rId18"/>
+    <p:sldId id="282" r:id="rId19"/>
   </p:sldIdLst>
   <p:sldSz cx="12192000" cy="6858000"/>
   <p:notesSz cx="6858000" cy="9144000"/>
@@ -4991,6 +4993,195 @@
   <p:cSld>
     <p:spTree>
       <p:nvGrpSpPr>
+        <p:cNvPr id="1" name=""/>
+        <p:cNvGrpSpPr/>
+        <p:nvPr/>
+      </p:nvGrpSpPr>
+      <p:grpSpPr>
+        <a:xfrm>
+          <a:off x="0" y="0"/>
+          <a:ext cx="0" cy="0"/>
+          <a:chOff x="0" y="0"/>
+          <a:chExt cx="0" cy="0"/>
+        </a:xfrm>
+      </p:grpSpPr>
+      <p:sp>
+        <p:nvSpPr>
+          <p:cNvPr id="2" name="Title 1">
+            <a:extLst>
+              <a:ext uri="{FF2B5EF4-FFF2-40B4-BE49-F238E27FC236}">
+                <a16:creationId xmlns:a16="http://schemas.microsoft.com/office/drawing/2014/main" id="{E1106B16-223F-4AEA-912D-FDEAE6757A37}"/>
+              </a:ext>
+            </a:extLst>
+          </p:cNvPr>
+          <p:cNvSpPr>
+            <a:spLocks noGrp="1"/>
+          </p:cNvSpPr>
+          <p:nvPr>
+            <p:ph type="title"/>
+          </p:nvPr>
+        </p:nvSpPr>
+        <p:spPr/>
+        <p:txBody>
+          <a:bodyPr/>
+          <a:lstStyle/>
+          <a:p>
+            <a:r>
+              <a:rPr lang="en-US" dirty="0"/>
+              <a:t>Source code check-in</a:t>
+            </a:r>
+          </a:p>
+        </p:txBody>
+      </p:sp>
+      <p:pic>
+        <p:nvPicPr>
+          <p:cNvPr id="4" name="Content Placeholder 3">
+            <a:extLst>
+              <a:ext uri="{FF2B5EF4-FFF2-40B4-BE49-F238E27FC236}">
+                <a16:creationId xmlns:a16="http://schemas.microsoft.com/office/drawing/2014/main" id="{8BC35AD8-5564-4E85-B6DD-B1F5E1BD019C}"/>
+              </a:ext>
+            </a:extLst>
+          </p:cNvPr>
+          <p:cNvPicPr>
+            <a:picLocks noGrp="1" noChangeAspect="1"/>
+          </p:cNvPicPr>
+          <p:nvPr>
+            <p:ph idx="1"/>
+          </p:nvPr>
+        </p:nvPicPr>
+        <p:blipFill>
+          <a:blip r:embed="rId2"/>
+          <a:stretch>
+            <a:fillRect/>
+          </a:stretch>
+        </p:blipFill>
+        <p:spPr>
+          <a:xfrm>
+            <a:off x="1055803" y="1825625"/>
+            <a:ext cx="9315038" cy="4351338"/>
+          </a:xfrm>
+          <a:prstGeom prst="rect">
+            <a:avLst/>
+          </a:prstGeom>
+        </p:spPr>
+      </p:pic>
+    </p:spTree>
+    <p:extLst>
+      <p:ext uri="{BB962C8B-B14F-4D97-AF65-F5344CB8AC3E}">
+        <p14:creationId xmlns:p14="http://schemas.microsoft.com/office/powerpoint/2010/main" val="3324338108"/>
+      </p:ext>
+    </p:extLst>
+  </p:cSld>
+  <p:clrMapOvr>
+    <a:masterClrMapping/>
+  </p:clrMapOvr>
+</p:sld>
+</file>
+
+<file path=ppt/slides/slide16.xml><?xml version="1.0" encoding="utf-8"?>
+<p:sld xmlns:a="http://schemas.openxmlformats.org/drawingml/2006/main" xmlns:r="http://schemas.openxmlformats.org/officeDocument/2006/relationships" xmlns:p="http://schemas.openxmlformats.org/presentationml/2006/main">
+  <p:cSld>
+    <p:spTree>
+      <p:nvGrpSpPr>
+        <p:cNvPr id="1" name=""/>
+        <p:cNvGrpSpPr/>
+        <p:nvPr/>
+      </p:nvGrpSpPr>
+      <p:grpSpPr>
+        <a:xfrm>
+          <a:off x="0" y="0"/>
+          <a:ext cx="0" cy="0"/>
+          <a:chOff x="0" y="0"/>
+          <a:chExt cx="0" cy="0"/>
+        </a:xfrm>
+      </p:grpSpPr>
+      <p:sp>
+        <p:nvSpPr>
+          <p:cNvPr id="2" name="Title 1">
+            <a:extLst>
+              <a:ext uri="{FF2B5EF4-FFF2-40B4-BE49-F238E27FC236}">
+                <a16:creationId xmlns:a16="http://schemas.microsoft.com/office/drawing/2014/main" id="{E1106B16-223F-4AEA-912D-FDEAE6757A37}"/>
+              </a:ext>
+            </a:extLst>
+          </p:cNvPr>
+          <p:cNvSpPr>
+            <a:spLocks noGrp="1"/>
+          </p:cNvSpPr>
+          <p:nvPr>
+            <p:ph type="title"/>
+          </p:nvPr>
+        </p:nvSpPr>
+        <p:spPr/>
+        <p:txBody>
+          <a:bodyPr/>
+          <a:lstStyle/>
+          <a:p>
+            <a:r>
+              <a:rPr lang="en-US" dirty="0"/>
+              <a:t>Link local repository with remote</a:t>
+            </a:r>
+          </a:p>
+        </p:txBody>
+      </p:sp>
+      <p:sp>
+        <p:nvSpPr>
+          <p:cNvPr id="5" name="Content Placeholder 4">
+            <a:extLst>
+              <a:ext uri="{FF2B5EF4-FFF2-40B4-BE49-F238E27FC236}">
+                <a16:creationId xmlns:a16="http://schemas.microsoft.com/office/drawing/2014/main" id="{314F1509-AD03-4BFD-9703-17DFCE09DEF5}"/>
+              </a:ext>
+            </a:extLst>
+          </p:cNvPr>
+          <p:cNvSpPr>
+            <a:spLocks noGrp="1"/>
+          </p:cNvSpPr>
+          <p:nvPr>
+            <p:ph idx="1"/>
+          </p:nvPr>
+        </p:nvSpPr>
+        <p:spPr/>
+        <p:txBody>
+          <a:bodyPr/>
+          <a:lstStyle/>
+          <a:p>
+            <a:r>
+              <a:rPr lang="en-US" dirty="0"/>
+              <a:t>git remote add origin </a:t>
+            </a:r>
+            <a:r>
+              <a:rPr lang="en-US" dirty="0">
+                <a:hlinkClick r:id="rId2"/>
+              </a:rPr>
+              <a:t>https://github.com/raghuprasadks/cloudcomputingtraining.git</a:t>
+            </a:r>
+            <a:endParaRPr lang="en-US" dirty="0"/>
+          </a:p>
+          <a:p>
+            <a:r>
+              <a:rPr lang="en-US" dirty="0"/>
+              <a:t>git push -u origin master</a:t>
+            </a:r>
+          </a:p>
+        </p:txBody>
+      </p:sp>
+    </p:spTree>
+    <p:extLst>
+      <p:ext uri="{BB962C8B-B14F-4D97-AF65-F5344CB8AC3E}">
+        <p14:creationId xmlns:p14="http://schemas.microsoft.com/office/powerpoint/2010/main" val="1953578045"/>
+      </p:ext>
+    </p:extLst>
+  </p:cSld>
+  <p:clrMapOvr>
+    <a:masterClrMapping/>
+  </p:clrMapOvr>
+</p:sld>
+</file>
+
+<file path=ppt/slides/slide17.xml><?xml version="1.0" encoding="utf-8"?>
+<p:sld xmlns:a="http://schemas.openxmlformats.org/drawingml/2006/main" xmlns:r="http://schemas.openxmlformats.org/officeDocument/2006/relationships" xmlns:p="http://schemas.openxmlformats.org/presentationml/2006/main">
+  <p:cSld>
+    <p:spTree>
+      <p:nvGrpSpPr>
         <p:cNvPr id="1" name="Shape 132"/>
         <p:cNvGrpSpPr/>
         <p:nvPr/>
@@ -5181,7 +5372,7 @@
 </p:sld>
 </file>
 
-<file path=ppt/slides/slide16.xml><?xml version="1.0" encoding="utf-8"?>
+<file path=ppt/slides/slide18.xml><?xml version="1.0" encoding="utf-8"?>
 <p:sld xmlns:a="http://schemas.openxmlformats.org/drawingml/2006/main" xmlns:r="http://schemas.openxmlformats.org/officeDocument/2006/relationships" xmlns:p="http://schemas.openxmlformats.org/presentationml/2006/main">
   <p:cSld>
     <p:spTree>

--- a/02_GIT_KaushalyaEduTech.pptx
+++ b/02_GIT_KaushalyaEduTech.pptx
@@ -5162,8 +5162,52 @@
               <a:t>git push -u origin master</a:t>
             </a:r>
           </a:p>
-        </p:txBody>
-      </p:sp>
+          <a:p>
+            <a:r>
+              <a:rPr lang="en-US" dirty="0"/>
+              <a:t>Check the pushed code in the </a:t>
+            </a:r>
+            <a:r>
+              <a:rPr lang="en-US" dirty="0" err="1"/>
+              <a:t>github</a:t>
+            </a:r>
+            <a:endParaRPr lang="en-US" dirty="0"/>
+          </a:p>
+          <a:p>
+            <a:endParaRPr lang="en-US" dirty="0"/>
+          </a:p>
+        </p:txBody>
+      </p:sp>
+      <p:pic>
+        <p:nvPicPr>
+          <p:cNvPr id="3" name="Picture 2">
+            <a:extLst>
+              <a:ext uri="{FF2B5EF4-FFF2-40B4-BE49-F238E27FC236}">
+                <a16:creationId xmlns:a16="http://schemas.microsoft.com/office/drawing/2014/main" id="{61D22FD4-2E83-4EE9-8445-B63D3C6F9D71}"/>
+              </a:ext>
+            </a:extLst>
+          </p:cNvPr>
+          <p:cNvPicPr>
+            <a:picLocks noChangeAspect="1"/>
+          </p:cNvPicPr>
+          <p:nvPr/>
+        </p:nvPicPr>
+        <p:blipFill>
+          <a:blip r:embed="rId3"/>
+          <a:stretch>
+            <a:fillRect/>
+          </a:stretch>
+        </p:blipFill>
+        <p:spPr>
+          <a:xfrm>
+            <a:off x="970960" y="3751868"/>
+            <a:ext cx="10906813" cy="3572759"/>
+          </a:xfrm>
+          <a:prstGeom prst="rect">
+            <a:avLst/>
+          </a:prstGeom>
+        </p:spPr>
+      </p:pic>
     </p:spTree>
     <p:extLst>
       <p:ext uri="{BB962C8B-B14F-4D97-AF65-F5344CB8AC3E}">
